--- a/experiment/exp6_segmentation/out/figure.pptx
+++ b/experiment/exp6_segmentation/out/figure.pptx
@@ -107,6 +107,11 @@
       </a:defRPr>
     </a:lvl9pPr>
   </p:defaultTextStyle>
+  <p:extLst>
+    <p:ext uri="{EFAFB233-063F-42B5-8137-9DF3F51BA10A}">
+      <p15:sldGuideLst xmlns:p15="http://schemas.microsoft.com/office/powerpoint/2012/main"/>
+    </p:ext>
+  </p:extLst>
 </p:presentation>
 </file>
 
@@ -192,7 +197,7 @@
           <a:p>
             <a:fld id="{C7A22CFB-7F5D-4A8A-B293-FC7F41BAA706}" type="datetimeFigureOut">
               <a:rPr lang="zh-CN" altLang="en-US" smtClean="0"/>
-              <a:t>2022/5/13</a:t>
+              <a:t>2022/5/22</a:t>
             </a:fld>
             <a:endParaRPr lang="zh-CN" altLang="en-US"/>
           </a:p>
@@ -690,7 +695,7 @@
           <a:p>
             <a:fld id="{56E97068-9A2D-4475-A94B-1201E7405105}" type="datetimeFigureOut">
               <a:rPr lang="zh-CN" altLang="en-US" smtClean="0"/>
-              <a:t>2022/5/13</a:t>
+              <a:t>2022/5/22</a:t>
             </a:fld>
             <a:endParaRPr lang="zh-CN" altLang="en-US"/>
           </a:p>
@@ -888,7 +893,7 @@
           <a:p>
             <a:fld id="{56E97068-9A2D-4475-A94B-1201E7405105}" type="datetimeFigureOut">
               <a:rPr lang="zh-CN" altLang="en-US" smtClean="0"/>
-              <a:t>2022/5/13</a:t>
+              <a:t>2022/5/22</a:t>
             </a:fld>
             <a:endParaRPr lang="zh-CN" altLang="en-US"/>
           </a:p>
@@ -1096,7 +1101,7 @@
           <a:p>
             <a:fld id="{56E97068-9A2D-4475-A94B-1201E7405105}" type="datetimeFigureOut">
               <a:rPr lang="zh-CN" altLang="en-US" smtClean="0"/>
-              <a:t>2022/5/13</a:t>
+              <a:t>2022/5/22</a:t>
             </a:fld>
             <a:endParaRPr lang="zh-CN" altLang="en-US"/>
           </a:p>
@@ -1294,7 +1299,7 @@
           <a:p>
             <a:fld id="{56E97068-9A2D-4475-A94B-1201E7405105}" type="datetimeFigureOut">
               <a:rPr lang="zh-CN" altLang="en-US" smtClean="0"/>
-              <a:t>2022/5/13</a:t>
+              <a:t>2022/5/22</a:t>
             </a:fld>
             <a:endParaRPr lang="zh-CN" altLang="en-US"/>
           </a:p>
@@ -1569,7 +1574,7 @@
           <a:p>
             <a:fld id="{56E97068-9A2D-4475-A94B-1201E7405105}" type="datetimeFigureOut">
               <a:rPr lang="zh-CN" altLang="en-US" smtClean="0"/>
-              <a:t>2022/5/13</a:t>
+              <a:t>2022/5/22</a:t>
             </a:fld>
             <a:endParaRPr lang="zh-CN" altLang="en-US"/>
           </a:p>
@@ -1834,7 +1839,7 @@
           <a:p>
             <a:fld id="{56E97068-9A2D-4475-A94B-1201E7405105}" type="datetimeFigureOut">
               <a:rPr lang="zh-CN" altLang="en-US" smtClean="0"/>
-              <a:t>2022/5/13</a:t>
+              <a:t>2022/5/22</a:t>
             </a:fld>
             <a:endParaRPr lang="zh-CN" altLang="en-US"/>
           </a:p>
@@ -2246,7 +2251,7 @@
           <a:p>
             <a:fld id="{56E97068-9A2D-4475-A94B-1201E7405105}" type="datetimeFigureOut">
               <a:rPr lang="zh-CN" altLang="en-US" smtClean="0"/>
-              <a:t>2022/5/13</a:t>
+              <a:t>2022/5/22</a:t>
             </a:fld>
             <a:endParaRPr lang="zh-CN" altLang="en-US"/>
           </a:p>
@@ -2387,7 +2392,7 @@
           <a:p>
             <a:fld id="{56E97068-9A2D-4475-A94B-1201E7405105}" type="datetimeFigureOut">
               <a:rPr lang="zh-CN" altLang="en-US" smtClean="0"/>
-              <a:t>2022/5/13</a:t>
+              <a:t>2022/5/22</a:t>
             </a:fld>
             <a:endParaRPr lang="zh-CN" altLang="en-US"/>
           </a:p>
@@ -2500,7 +2505,7 @@
           <a:p>
             <a:fld id="{56E97068-9A2D-4475-A94B-1201E7405105}" type="datetimeFigureOut">
               <a:rPr lang="zh-CN" altLang="en-US" smtClean="0"/>
-              <a:t>2022/5/13</a:t>
+              <a:t>2022/5/22</a:t>
             </a:fld>
             <a:endParaRPr lang="zh-CN" altLang="en-US"/>
           </a:p>
@@ -2811,7 +2816,7 @@
           <a:p>
             <a:fld id="{56E97068-9A2D-4475-A94B-1201E7405105}" type="datetimeFigureOut">
               <a:rPr lang="zh-CN" altLang="en-US" smtClean="0"/>
-              <a:t>2022/5/13</a:t>
+              <a:t>2022/5/22</a:t>
             </a:fld>
             <a:endParaRPr lang="zh-CN" altLang="en-US"/>
           </a:p>
@@ -3099,7 +3104,7 @@
           <a:p>
             <a:fld id="{56E97068-9A2D-4475-A94B-1201E7405105}" type="datetimeFigureOut">
               <a:rPr lang="zh-CN" altLang="en-US" smtClean="0"/>
-              <a:t>2022/5/13</a:t>
+              <a:t>2022/5/22</a:t>
             </a:fld>
             <a:endParaRPr lang="zh-CN" altLang="en-US"/>
           </a:p>
@@ -3340,7 +3345,7 @@
           <a:p>
             <a:fld id="{56E97068-9A2D-4475-A94B-1201E7405105}" type="datetimeFigureOut">
               <a:rPr lang="zh-CN" altLang="en-US" smtClean="0"/>
-              <a:t>2022/5/13</a:t>
+              <a:t>2022/5/22</a:t>
             </a:fld>
             <a:endParaRPr lang="zh-CN" altLang="en-US"/>
           </a:p>
@@ -3759,10 +3764,10 @@
       </p:grpSpPr>
       <p:grpSp>
         <p:nvGrpSpPr>
-          <p:cNvPr id="32" name="组合 31">
-            <a:extLst>
-              <a:ext uri="{FF2B5EF4-FFF2-40B4-BE49-F238E27FC236}">
-                <a16:creationId xmlns:a16="http://schemas.microsoft.com/office/drawing/2014/main" id="{0DAF97C0-FEA4-49E2-B0A2-0664FE418F81}"/>
+          <p:cNvPr id="10" name="组合 9">
+            <a:extLst>
+              <a:ext uri="{FF2B5EF4-FFF2-40B4-BE49-F238E27FC236}">
+                <a16:creationId xmlns:a16="http://schemas.microsoft.com/office/drawing/2014/main" id="{0E3616BB-C83F-459C-8835-3B2F02B9BAEE}"/>
               </a:ext>
             </a:extLst>
           </p:cNvPr>
@@ -3771,18 +3776,18 @@
         </p:nvGrpSpPr>
         <p:grpSpPr>
           <a:xfrm>
-            <a:off x="0" y="-3"/>
-            <a:ext cx="15697200" cy="7867651"/>
-            <a:chOff x="0" y="-3"/>
-            <a:chExt cx="15697200" cy="7867651"/>
+            <a:off x="-3665" y="-2"/>
+            <a:ext cx="11783895" cy="11801459"/>
+            <a:chOff x="-3665" y="-2"/>
+            <a:chExt cx="11783895" cy="11801459"/>
           </a:xfrm>
         </p:grpSpPr>
         <p:pic>
           <p:nvPicPr>
-            <p:cNvPr id="5" name="图片 4">
+            <p:cNvPr id="8" name="图片 7">
               <a:extLst>
                 <a:ext uri="{FF2B5EF4-FFF2-40B4-BE49-F238E27FC236}">
-                  <a16:creationId xmlns:a16="http://schemas.microsoft.com/office/drawing/2014/main" id="{9E33269B-CD14-4342-ACB7-9CFB9F200F2D}"/>
+                  <a16:creationId xmlns:a16="http://schemas.microsoft.com/office/drawing/2014/main" id="{3BE8EC99-080F-40E7-8F34-C793FA93E25D}"/>
                 </a:ext>
               </a:extLst>
             </p:cNvPr>
@@ -3805,7 +3810,7 @@
           </p:blipFill>
           <p:spPr>
             <a:xfrm>
-              <a:off x="0" y="0"/>
+              <a:off x="7855930" y="7867614"/>
               <a:ext cx="3924300" cy="3933825"/>
             </a:xfrm>
             <a:prstGeom prst="rect">
@@ -3815,10 +3820,10 @@
         </p:pic>
         <p:pic>
           <p:nvPicPr>
-            <p:cNvPr id="11" name="图片 10">
+            <p:cNvPr id="6" name="图片 5">
               <a:extLst>
                 <a:ext uri="{FF2B5EF4-FFF2-40B4-BE49-F238E27FC236}">
-                  <a16:creationId xmlns:a16="http://schemas.microsoft.com/office/drawing/2014/main" id="{5DA79A31-4402-47FC-9293-13AD114F4785}"/>
+                  <a16:creationId xmlns:a16="http://schemas.microsoft.com/office/drawing/2014/main" id="{F4DF8B69-732B-4D5A-9CC2-C437086B85F5}"/>
                 </a:ext>
               </a:extLst>
             </p:cNvPr>
@@ -3841,7 +3846,7 @@
           </p:blipFill>
           <p:spPr>
             <a:xfrm>
-              <a:off x="11772900" y="-2"/>
+              <a:off x="3927965" y="7867614"/>
               <a:ext cx="3924300" cy="3933825"/>
             </a:xfrm>
             <a:prstGeom prst="rect">
@@ -3851,10 +3856,10 @@
         </p:pic>
         <p:pic>
           <p:nvPicPr>
-            <p:cNvPr id="13" name="图片 12">
+            <p:cNvPr id="3" name="图片 2">
               <a:extLst>
                 <a:ext uri="{FF2B5EF4-FFF2-40B4-BE49-F238E27FC236}">
-                  <a16:creationId xmlns:a16="http://schemas.microsoft.com/office/drawing/2014/main" id="{46F9C4AE-9D5E-463C-96D4-19F1F275FCBA}"/>
+                  <a16:creationId xmlns:a16="http://schemas.microsoft.com/office/drawing/2014/main" id="{541B9E3E-84B7-4787-8F56-9B9BB537F2DC}"/>
                 </a:ext>
               </a:extLst>
             </p:cNvPr>
@@ -3877,7 +3882,43 @@
           </p:blipFill>
           <p:spPr>
             <a:xfrm>
-              <a:off x="0" y="3933823"/>
+              <a:off x="-3665" y="7867632"/>
+              <a:ext cx="3924300" cy="3933825"/>
+            </a:xfrm>
+            <a:prstGeom prst="rect">
+              <a:avLst/>
+            </a:prstGeom>
+          </p:spPr>
+        </p:pic>
+        <p:pic>
+          <p:nvPicPr>
+            <p:cNvPr id="5" name="图片 4">
+              <a:extLst>
+                <a:ext uri="{FF2B5EF4-FFF2-40B4-BE49-F238E27FC236}">
+                  <a16:creationId xmlns:a16="http://schemas.microsoft.com/office/drawing/2014/main" id="{9E33269B-CD14-4342-ACB7-9CFB9F200F2D}"/>
+                </a:ext>
+              </a:extLst>
+            </p:cNvPr>
+            <p:cNvPicPr>
+              <a:picLocks noChangeAspect="1"/>
+            </p:cNvPicPr>
+            <p:nvPr/>
+          </p:nvPicPr>
+          <p:blipFill>
+            <a:blip r:embed="rId6">
+              <a:extLst>
+                <a:ext uri="{28A0092B-C50C-407E-A947-70E740481C1C}">
+                  <a14:useLocalDpi xmlns:a14="http://schemas.microsoft.com/office/drawing/2010/main" val="0"/>
+                </a:ext>
+              </a:extLst>
+            </a:blip>
+            <a:stretch>
+              <a:fillRect/>
+            </a:stretch>
+          </p:blipFill>
+          <p:spPr>
+            <a:xfrm>
+              <a:off x="0" y="0"/>
               <a:ext cx="3924300" cy="3933825"/>
             </a:xfrm>
             <a:prstGeom prst="rect">
@@ -3900,7 +3941,7 @@
             <p:nvPr/>
           </p:nvPicPr>
           <p:blipFill>
-            <a:blip r:embed="rId6">
+            <a:blip r:embed="rId7">
               <a:extLst>
                 <a:ext uri="{28A0092B-C50C-407E-A947-70E740481C1C}">
                   <a14:useLocalDpi xmlns:a14="http://schemas.microsoft.com/office/drawing/2010/main" val="0"/>
@@ -3913,7 +3954,7 @@
           </p:blipFill>
           <p:spPr>
             <a:xfrm>
-              <a:off x="3924300" y="3933823"/>
+              <a:off x="0" y="3933818"/>
               <a:ext cx="3924300" cy="3933825"/>
             </a:xfrm>
             <a:prstGeom prst="rect">
@@ -3936,7 +3977,7 @@
             <p:nvPr/>
           </p:nvPicPr>
           <p:blipFill>
-            <a:blip r:embed="rId7">
+            <a:blip r:embed="rId8">
               <a:extLst>
                 <a:ext uri="{28A0092B-C50C-407E-A947-70E740481C1C}">
                   <a14:useLocalDpi xmlns:a14="http://schemas.microsoft.com/office/drawing/2010/main" val="0"/>
@@ -3949,7 +3990,7 @@
           </p:blipFill>
           <p:spPr>
             <a:xfrm>
-              <a:off x="7848600" y="3933823"/>
+              <a:off x="3920157" y="3933816"/>
               <a:ext cx="3924300" cy="3933825"/>
             </a:xfrm>
             <a:prstGeom prst="rect">
@@ -3972,7 +4013,7 @@
             <p:nvPr/>
           </p:nvPicPr>
           <p:blipFill>
-            <a:blip r:embed="rId8">
+            <a:blip r:embed="rId9">
               <a:extLst>
                 <a:ext uri="{28A0092B-C50C-407E-A947-70E740481C1C}">
                   <a14:useLocalDpi xmlns:a14="http://schemas.microsoft.com/office/drawing/2010/main" val="0"/>
@@ -3985,7 +4026,7 @@
           </p:blipFill>
           <p:spPr>
             <a:xfrm>
-              <a:off x="11772900" y="3933822"/>
+              <a:off x="7840314" y="3933807"/>
               <a:ext cx="3924300" cy="3933825"/>
             </a:xfrm>
             <a:prstGeom prst="rect">
@@ -4008,7 +4049,7 @@
             <p:nvPr/>
           </p:nvPicPr>
           <p:blipFill>
-            <a:blip r:embed="rId9">
+            <a:blip r:embed="rId10">
               <a:extLst>
                 <a:ext uri="{28A0092B-C50C-407E-A947-70E740481C1C}">
                   <a14:useLocalDpi xmlns:a14="http://schemas.microsoft.com/office/drawing/2010/main" val="0"/>
@@ -4044,7 +4085,7 @@
             <p:nvPr/>
           </p:nvPicPr>
           <p:blipFill>
-            <a:blip r:embed="rId10">
+            <a:blip r:embed="rId11">
               <a:extLst>
                 <a:ext uri="{28A0092B-C50C-407E-A947-70E740481C1C}">
                   <a14:useLocalDpi xmlns:a14="http://schemas.microsoft.com/office/drawing/2010/main" val="0"/>
@@ -4244,7 +4285,7 @@
           </p:nvSpPr>
           <p:spPr>
             <a:xfrm>
-              <a:off x="11772900" y="-3"/>
+              <a:off x="0" y="3933822"/>
               <a:ext cx="900202" cy="923330"/>
             </a:xfrm>
             <a:prstGeom prst="rect">
@@ -4299,7 +4340,7 @@
           </p:nvSpPr>
           <p:spPr>
             <a:xfrm>
-              <a:off x="11202" y="3933822"/>
+              <a:off x="3969108" y="3933817"/>
               <a:ext cx="900202" cy="923330"/>
             </a:xfrm>
             <a:prstGeom prst="rect">
@@ -4354,7 +4395,7 @@
           </p:nvSpPr>
           <p:spPr>
             <a:xfrm>
-              <a:off x="3935502" y="3933822"/>
+              <a:off x="7848600" y="3933816"/>
               <a:ext cx="900202" cy="923330"/>
             </a:xfrm>
             <a:prstGeom prst="rect">
@@ -4409,7 +4450,7 @@
           </p:nvSpPr>
           <p:spPr>
             <a:xfrm>
-              <a:off x="7859802" y="3933822"/>
+              <a:off x="0" y="7867632"/>
               <a:ext cx="900202" cy="923330"/>
             </a:xfrm>
             <a:prstGeom prst="rect">
@@ -4464,7 +4505,7 @@
           </p:nvSpPr>
           <p:spPr>
             <a:xfrm>
-              <a:off x="11772900" y="3933822"/>
+              <a:off x="3920157" y="7867632"/>
               <a:ext cx="900202" cy="923330"/>
             </a:xfrm>
             <a:prstGeom prst="rect">
@@ -4492,6 +4533,61 @@
                   <a:cs typeface="Arial" panose="020B0604020202020204" pitchFamily="34" charset="0"/>
                 </a:rPr>
                 <a:t>H</a:t>
+              </a:r>
+              <a:endParaRPr lang="zh-CN" altLang="en-US" sz="5400" dirty="0">
+                <a:ln>
+                  <a:solidFill>
+                    <a:schemeClr val="bg1"/>
+                  </a:solidFill>
+                </a:ln>
+                <a:latin typeface="Arial" panose="020B0604020202020204" pitchFamily="34" charset="0"/>
+                <a:cs typeface="Arial" panose="020B0604020202020204" pitchFamily="34" charset="0"/>
+              </a:endParaRPr>
+            </a:p>
+          </p:txBody>
+        </p:sp>
+        <p:sp>
+          <p:nvSpPr>
+            <p:cNvPr id="20" name="文本框 19">
+              <a:extLst>
+                <a:ext uri="{FF2B5EF4-FFF2-40B4-BE49-F238E27FC236}">
+                  <a16:creationId xmlns:a16="http://schemas.microsoft.com/office/drawing/2014/main" id="{B82E61C0-28B8-4DBA-B226-F2778EBFEF7A}"/>
+                </a:ext>
+              </a:extLst>
+            </p:cNvPr>
+            <p:cNvSpPr txBox="1"/>
+            <p:nvPr/>
+          </p:nvSpPr>
+          <p:spPr>
+            <a:xfrm>
+              <a:off x="7769201" y="7867628"/>
+              <a:ext cx="900202" cy="923330"/>
+            </a:xfrm>
+            <a:prstGeom prst="rect">
+              <a:avLst/>
+            </a:prstGeom>
+            <a:solidFill>
+              <a:schemeClr val="bg1"/>
+            </a:solidFill>
+          </p:spPr>
+          <p:txBody>
+            <a:bodyPr wrap="square" rtlCol="0">
+              <a:spAutoFit/>
+            </a:bodyPr>
+            <a:lstStyle/>
+            <a:p>
+              <a:pPr algn="ctr"/>
+              <a:r>
+                <a:rPr lang="en-US" altLang="zh-CN" sz="5400" dirty="0">
+                  <a:ln>
+                    <a:solidFill>
+                      <a:schemeClr val="bg1"/>
+                    </a:solidFill>
+                  </a:ln>
+                  <a:latin typeface="Arial" panose="020B0604020202020204" pitchFamily="34" charset="0"/>
+                  <a:cs typeface="Arial" panose="020B0604020202020204" pitchFamily="34" charset="0"/>
+                </a:rPr>
+                <a:t>I</a:t>
               </a:r>
               <a:endParaRPr lang="zh-CN" altLang="en-US" sz="5400" dirty="0">
                 <a:ln>
